--- a/cai/redo-2024/Slides/12-02-python4e.02.120516.pptx
+++ b/cai/redo-2024/Slides/12-02-python4e.02.120516.pptx
@@ -24,7 +24,7 @@
     <p:sldId id="326" r:id="rId15"/>
     <p:sldId id="327" r:id="rId16"/>
     <p:sldId id="328" r:id="rId17"/>
-    <p:sldId id="329" r:id="rId18"/>
+    <p:sldId id="334" r:id="rId18"/>
     <p:sldId id="330" r:id="rId19"/>
     <p:sldId id="296" r:id="rId20"/>
     <p:sldId id="297" r:id="rId21"/>
@@ -1030,14 +1030,14 @@
           <a:noFill/>
           <a:extLst>
             <a:ext uri="{909E8E84-426E-40dd-AFC4-6F175D3DCCD1}">
-              <a14:hiddenFill xmlns="" xmlns:a14="http://schemas.microsoft.com/office/drawing/2010/main">
+              <a14:hiddenFill xmlns:a14="http://schemas.microsoft.com/office/drawing/2010/main" xmlns="">
                 <a:solidFill>
                   <a:srgbClr val="FFFFFF"/>
                 </a:solidFill>
               </a14:hiddenFill>
             </a:ext>
             <a:ext uri="{91240B29-F687-4f45-9708-019B960494DF}">
-              <a14:hiddenLine xmlns="" xmlns:a14="http://schemas.microsoft.com/office/drawing/2010/main" w="9525">
+              <a14:hiddenLine xmlns:a14="http://schemas.microsoft.com/office/drawing/2010/main" xmlns="" w="9525">
                 <a:solidFill>
                   <a:srgbClr val="000000"/>
                 </a:solidFill>
@@ -1116,14 +1116,14 @@
           <a:noFill/>
           <a:extLst>
             <a:ext uri="{909E8E84-426E-40dd-AFC4-6F175D3DCCD1}">
-              <a14:hiddenFill xmlns="" xmlns:a14="http://schemas.microsoft.com/office/drawing/2010/main">
+              <a14:hiddenFill xmlns:a14="http://schemas.microsoft.com/office/drawing/2010/main" xmlns="">
                 <a:solidFill>
                   <a:srgbClr val="FFFFFF"/>
                 </a:solidFill>
               </a14:hiddenFill>
             </a:ext>
             <a:ext uri="{91240B29-F687-4f45-9708-019B960494DF}">
-              <a14:hiddenLine xmlns="" xmlns:a14="http://schemas.microsoft.com/office/drawing/2010/main" w="9525">
+              <a14:hiddenLine xmlns:a14="http://schemas.microsoft.com/office/drawing/2010/main" xmlns="" w="9525">
                 <a:solidFill>
                   <a:srgbClr val="000000"/>
                 </a:solidFill>
@@ -1202,14 +1202,14 @@
           <a:noFill/>
           <a:extLst>
             <a:ext uri="{909E8E84-426E-40dd-AFC4-6F175D3DCCD1}">
-              <a14:hiddenFill xmlns="" xmlns:a14="http://schemas.microsoft.com/office/drawing/2010/main">
+              <a14:hiddenFill xmlns:a14="http://schemas.microsoft.com/office/drawing/2010/main" xmlns="">
                 <a:solidFill>
                   <a:srgbClr val="FFFFFF"/>
                 </a:solidFill>
               </a14:hiddenFill>
             </a:ext>
             <a:ext uri="{91240B29-F687-4f45-9708-019B960494DF}">
-              <a14:hiddenLine xmlns="" xmlns:a14="http://schemas.microsoft.com/office/drawing/2010/main" w="9525">
+              <a14:hiddenLine xmlns:a14="http://schemas.microsoft.com/office/drawing/2010/main" xmlns="" w="9525">
                 <a:solidFill>
                   <a:srgbClr val="000000"/>
                 </a:solidFill>
@@ -1288,14 +1288,14 @@
           <a:noFill/>
           <a:extLst>
             <a:ext uri="{909E8E84-426E-40dd-AFC4-6F175D3DCCD1}">
-              <a14:hiddenFill xmlns="" xmlns:a14="http://schemas.microsoft.com/office/drawing/2010/main">
+              <a14:hiddenFill xmlns:a14="http://schemas.microsoft.com/office/drawing/2010/main" xmlns="">
                 <a:solidFill>
                   <a:srgbClr val="FFFFFF"/>
                 </a:solidFill>
               </a14:hiddenFill>
             </a:ext>
             <a:ext uri="{91240B29-F687-4f45-9708-019B960494DF}">
-              <a14:hiddenLine xmlns="" xmlns:a14="http://schemas.microsoft.com/office/drawing/2010/main" w="9525">
+              <a14:hiddenLine xmlns:a14="http://schemas.microsoft.com/office/drawing/2010/main" xmlns="" w="9525">
                 <a:solidFill>
                   <a:srgbClr val="000000"/>
                 </a:solidFill>
@@ -1374,14 +1374,14 @@
           <a:noFill/>
           <a:extLst>
             <a:ext uri="{909E8E84-426E-40dd-AFC4-6F175D3DCCD1}">
-              <a14:hiddenFill xmlns="" xmlns:a14="http://schemas.microsoft.com/office/drawing/2010/main">
+              <a14:hiddenFill xmlns:a14="http://schemas.microsoft.com/office/drawing/2010/main" xmlns="">
                 <a:solidFill>
                   <a:srgbClr val="FFFFFF"/>
                 </a:solidFill>
               </a14:hiddenFill>
             </a:ext>
             <a:ext uri="{91240B29-F687-4f45-9708-019B960494DF}">
-              <a14:hiddenLine xmlns="" xmlns:a14="http://schemas.microsoft.com/office/drawing/2010/main" w="9525">
+              <a14:hiddenLine xmlns:a14="http://schemas.microsoft.com/office/drawing/2010/main" xmlns="" w="9525">
                 <a:solidFill>
                   <a:srgbClr val="000000"/>
                 </a:solidFill>
@@ -1460,14 +1460,14 @@
           <a:noFill/>
           <a:extLst>
             <a:ext uri="{909E8E84-426E-40dd-AFC4-6F175D3DCCD1}">
-              <a14:hiddenFill xmlns="" xmlns:a14="http://schemas.microsoft.com/office/drawing/2010/main">
+              <a14:hiddenFill xmlns:a14="http://schemas.microsoft.com/office/drawing/2010/main" xmlns="">
                 <a:solidFill>
                   <a:srgbClr val="FFFFFF"/>
                 </a:solidFill>
               </a14:hiddenFill>
             </a:ext>
             <a:ext uri="{91240B29-F687-4f45-9708-019B960494DF}">
-              <a14:hiddenLine xmlns="" xmlns:a14="http://schemas.microsoft.com/office/drawing/2010/main" w="9525">
+              <a14:hiddenLine xmlns:a14="http://schemas.microsoft.com/office/drawing/2010/main" xmlns="" w="9525">
                 <a:solidFill>
                   <a:srgbClr val="000000"/>
                 </a:solidFill>
@@ -1546,14 +1546,14 @@
           <a:noFill/>
           <a:extLst>
             <a:ext uri="{909E8E84-426E-40dd-AFC4-6F175D3DCCD1}">
-              <a14:hiddenFill xmlns="" xmlns:a14="http://schemas.microsoft.com/office/drawing/2010/main">
+              <a14:hiddenFill xmlns:a14="http://schemas.microsoft.com/office/drawing/2010/main" xmlns="">
                 <a:solidFill>
                   <a:srgbClr val="FFFFFF"/>
                 </a:solidFill>
               </a14:hiddenFill>
             </a:ext>
             <a:ext uri="{91240B29-F687-4f45-9708-019B960494DF}">
-              <a14:hiddenLine xmlns="" xmlns:a14="http://schemas.microsoft.com/office/drawing/2010/main" w="9525">
+              <a14:hiddenLine xmlns:a14="http://schemas.microsoft.com/office/drawing/2010/main" xmlns="" w="9525">
                 <a:solidFill>
                   <a:srgbClr val="000000"/>
                 </a:solidFill>
@@ -1718,14 +1718,14 @@
           <a:noFill/>
           <a:extLst>
             <a:ext uri="{909E8E84-426E-40dd-AFC4-6F175D3DCCD1}">
-              <a14:hiddenFill xmlns="" xmlns:a14="http://schemas.microsoft.com/office/drawing/2010/main">
+              <a14:hiddenFill xmlns:a14="http://schemas.microsoft.com/office/drawing/2010/main" xmlns="">
                 <a:solidFill>
                   <a:srgbClr val="FFFFFF"/>
                 </a:solidFill>
               </a14:hiddenFill>
             </a:ext>
             <a:ext uri="{91240B29-F687-4f45-9708-019B960494DF}">
-              <a14:hiddenLine xmlns="" xmlns:a14="http://schemas.microsoft.com/office/drawing/2010/main" w="9525">
+              <a14:hiddenLine xmlns:a14="http://schemas.microsoft.com/office/drawing/2010/main" xmlns="" w="9525">
                 <a:solidFill>
                   <a:srgbClr val="000000"/>
                 </a:solidFill>
@@ -2546,14 +2546,14 @@
           <a:noFill/>
           <a:extLst>
             <a:ext uri="{909E8E84-426E-40dd-AFC4-6F175D3DCCD1}">
-              <a14:hiddenFill xmlns="" xmlns:a14="http://schemas.microsoft.com/office/drawing/2010/main">
+              <a14:hiddenFill xmlns:a14="http://schemas.microsoft.com/office/drawing/2010/main" xmlns="">
                 <a:solidFill>
                   <a:srgbClr val="FFFFFF"/>
                 </a:solidFill>
               </a14:hiddenFill>
             </a:ext>
             <a:ext uri="{91240B29-F687-4f45-9708-019B960494DF}">
-              <a14:hiddenLine xmlns="" xmlns:a14="http://schemas.microsoft.com/office/drawing/2010/main" w="9525">
+              <a14:hiddenLine xmlns:a14="http://schemas.microsoft.com/office/drawing/2010/main" xmlns="" w="9525">
                 <a:solidFill>
                   <a:srgbClr val="000000"/>
                 </a:solidFill>
@@ -2632,14 +2632,14 @@
           <a:noFill/>
           <a:extLst>
             <a:ext uri="{909E8E84-426E-40dd-AFC4-6F175D3DCCD1}">
-              <a14:hiddenFill xmlns="" xmlns:a14="http://schemas.microsoft.com/office/drawing/2010/main">
+              <a14:hiddenFill xmlns:a14="http://schemas.microsoft.com/office/drawing/2010/main" xmlns="">
                 <a:solidFill>
                   <a:srgbClr val="FFFFFF"/>
                 </a:solidFill>
               </a14:hiddenFill>
             </a:ext>
             <a:ext uri="{91240B29-F687-4f45-9708-019B960494DF}">
-              <a14:hiddenLine xmlns="" xmlns:a14="http://schemas.microsoft.com/office/drawing/2010/main" w="9525">
+              <a14:hiddenLine xmlns:a14="http://schemas.microsoft.com/office/drawing/2010/main" xmlns="" w="9525">
                 <a:solidFill>
                   <a:srgbClr val="000000"/>
                 </a:solidFill>
@@ -2718,14 +2718,14 @@
           <a:noFill/>
           <a:extLst>
             <a:ext uri="{909E8E84-426E-40dd-AFC4-6F175D3DCCD1}">
-              <a14:hiddenFill xmlns="" xmlns:a14="http://schemas.microsoft.com/office/drawing/2010/main">
+              <a14:hiddenFill xmlns:a14="http://schemas.microsoft.com/office/drawing/2010/main" xmlns="">
                 <a:solidFill>
                   <a:srgbClr val="FFFFFF"/>
                 </a:solidFill>
               </a14:hiddenFill>
             </a:ext>
             <a:ext uri="{91240B29-F687-4f45-9708-019B960494DF}">
-              <a14:hiddenLine xmlns="" xmlns:a14="http://schemas.microsoft.com/office/drawing/2010/main" w="9525">
+              <a14:hiddenLine xmlns:a14="http://schemas.microsoft.com/office/drawing/2010/main" xmlns="" w="9525">
                 <a:solidFill>
                   <a:srgbClr val="000000"/>
                 </a:solidFill>
@@ -2804,14 +2804,14 @@
           <a:noFill/>
           <a:extLst>
             <a:ext uri="{909E8E84-426E-40dd-AFC4-6F175D3DCCD1}">
-              <a14:hiddenFill xmlns="" xmlns:a14="http://schemas.microsoft.com/office/drawing/2010/main">
+              <a14:hiddenFill xmlns:a14="http://schemas.microsoft.com/office/drawing/2010/main" xmlns="">
                 <a:solidFill>
                   <a:srgbClr val="FFFFFF"/>
                 </a:solidFill>
               </a14:hiddenFill>
             </a:ext>
             <a:ext uri="{91240B29-F687-4f45-9708-019B960494DF}">
-              <a14:hiddenLine xmlns="" xmlns:a14="http://schemas.microsoft.com/office/drawing/2010/main" w="9525">
+              <a14:hiddenLine xmlns:a14="http://schemas.microsoft.com/office/drawing/2010/main" xmlns="" w="9525">
                 <a:solidFill>
                   <a:srgbClr val="000000"/>
                 </a:solidFill>
@@ -5848,7 +5848,7 @@
           </a:ln>
           <a:extLst>
             <a:ext uri="{91240B29-F687-4f45-9708-019B960494DF}">
-              <a14:hiddenLine xmlns="" xmlns:a14="http://schemas.microsoft.com/office/drawing/2010/main" w="9525">
+              <a14:hiddenLine xmlns:a14="http://schemas.microsoft.com/office/drawing/2010/main" xmlns="" w="9525">
                 <a:solidFill>
                   <a:srgbClr val="000000"/>
                 </a:solidFill>
@@ -6033,14 +6033,14 @@
           </a:ln>
           <a:extLst>
             <a:ext uri="{909E8E84-426E-40dd-AFC4-6F175D3DCCD1}">
-              <a14:hiddenFill xmlns="" xmlns:a14="http://schemas.microsoft.com/office/drawing/2010/main">
+              <a14:hiddenFill xmlns:a14="http://schemas.microsoft.com/office/drawing/2010/main" xmlns="">
                 <a:solidFill>
                   <a:srgbClr val="FFFFFF"/>
                 </a:solidFill>
               </a14:hiddenFill>
             </a:ext>
             <a:ext uri="{91240B29-F687-4f45-9708-019B960494DF}">
-              <a14:hiddenLine xmlns="" xmlns:a14="http://schemas.microsoft.com/office/drawing/2010/main" w="12700">
+              <a14:hiddenLine xmlns:a14="http://schemas.microsoft.com/office/drawing/2010/main" xmlns="" w="12700">
                 <a:solidFill>
                   <a:srgbClr val="000000"/>
                 </a:solidFill>
@@ -6076,7 +6076,7 @@
           </a:ln>
           <a:extLst>
             <a:ext uri="{91240B29-F687-4f45-9708-019B960494DF}">
-              <a14:hiddenLine xmlns="" xmlns:a14="http://schemas.microsoft.com/office/drawing/2010/main" w="12700">
+              <a14:hiddenLine xmlns:a14="http://schemas.microsoft.com/office/drawing/2010/main" xmlns="" w="12700">
                 <a:solidFill>
                   <a:srgbClr val="000000"/>
                 </a:solidFill>
@@ -6261,7 +6261,7 @@
           </a:ln>
           <a:extLst>
             <a:ext uri="{909E8E84-426E-40dd-AFC4-6F175D3DCCD1}">
-              <a14:hiddenFill xmlns="" xmlns:a14="http://schemas.microsoft.com/office/drawing/2010/main">
+              <a14:hiddenFill xmlns:a14="http://schemas.microsoft.com/office/drawing/2010/main" xmlns="">
                 <a:noFill/>
               </a14:hiddenFill>
             </a:ext>
@@ -6318,7 +6318,7 @@
           </a:ln>
           <a:extLst>
             <a:ext uri="{909E8E84-426E-40dd-AFC4-6F175D3DCCD1}">
-              <a14:hiddenFill xmlns="" xmlns:a14="http://schemas.microsoft.com/office/drawing/2010/main">
+              <a14:hiddenFill xmlns:a14="http://schemas.microsoft.com/office/drawing/2010/main" xmlns="">
                 <a:solidFill>
                   <a:srgbClr val="FFFFFF"/>
                 </a:solidFill>
@@ -6390,14 +6390,14 @@
           </a:ln>
           <a:extLst>
             <a:ext uri="{909E8E84-426E-40dd-AFC4-6F175D3DCCD1}">
-              <a14:hiddenFill xmlns="" xmlns:a14="http://schemas.microsoft.com/office/drawing/2010/main">
+              <a14:hiddenFill xmlns:a14="http://schemas.microsoft.com/office/drawing/2010/main" xmlns="">
                 <a:solidFill>
                   <a:srgbClr val="FFFFFF"/>
                 </a:solidFill>
               </a14:hiddenFill>
             </a:ext>
             <a:ext uri="{91240B29-F687-4f45-9708-019B960494DF}">
-              <a14:hiddenLine xmlns="" xmlns:a14="http://schemas.microsoft.com/office/drawing/2010/main" w="12700">
+              <a14:hiddenLine xmlns:a14="http://schemas.microsoft.com/office/drawing/2010/main" xmlns="" w="12700">
                 <a:solidFill>
                   <a:srgbClr val="000000"/>
                 </a:solidFill>
@@ -6726,14 +6726,14 @@
           </a:ln>
           <a:extLst>
             <a:ext uri="{909E8E84-426E-40dd-AFC4-6F175D3DCCD1}">
-              <a14:hiddenFill xmlns="" xmlns:a14="http://schemas.microsoft.com/office/drawing/2010/main">
+              <a14:hiddenFill xmlns:a14="http://schemas.microsoft.com/office/drawing/2010/main" xmlns="">
                 <a:solidFill>
                   <a:srgbClr val="FFFFFF"/>
                 </a:solidFill>
               </a14:hiddenFill>
             </a:ext>
             <a:ext uri="{91240B29-F687-4f45-9708-019B960494DF}">
-              <a14:hiddenLine xmlns="" xmlns:a14="http://schemas.microsoft.com/office/drawing/2010/main" w="9525">
+              <a14:hiddenLine xmlns:a14="http://schemas.microsoft.com/office/drawing/2010/main" xmlns="" w="9525">
                 <a:solidFill>
                   <a:srgbClr val="000000"/>
                 </a:solidFill>
@@ -6901,14 +6901,14 @@
           </a:ln>
           <a:extLst>
             <a:ext uri="{909E8E84-426E-40dd-AFC4-6F175D3DCCD1}">
-              <a14:hiddenFill xmlns="" xmlns:a14="http://schemas.microsoft.com/office/drawing/2010/main">
+              <a14:hiddenFill xmlns:a14="http://schemas.microsoft.com/office/drawing/2010/main" xmlns="">
                 <a:solidFill>
                   <a:srgbClr val="FFFFFF"/>
                 </a:solidFill>
               </a14:hiddenFill>
             </a:ext>
             <a:ext uri="{91240B29-F687-4f45-9708-019B960494DF}">
-              <a14:hiddenLine xmlns="" xmlns:a14="http://schemas.microsoft.com/office/drawing/2010/main" w="9525">
+              <a14:hiddenLine xmlns:a14="http://schemas.microsoft.com/office/drawing/2010/main" xmlns="" w="9525">
                 <a:solidFill>
                   <a:srgbClr val="000000"/>
                 </a:solidFill>
@@ -6991,7 +6991,7 @@
           </a:ln>
           <a:extLst>
             <a:ext uri="{91240B29-F687-4f45-9708-019B960494DF}">
-              <a14:hiddenLine xmlns="" xmlns:a14="http://schemas.microsoft.com/office/drawing/2010/main" w="9525">
+              <a14:hiddenLine xmlns:a14="http://schemas.microsoft.com/office/drawing/2010/main" xmlns="" w="9525">
                 <a:solidFill>
                   <a:srgbClr val="000000"/>
                 </a:solidFill>
@@ -7176,14 +7176,14 @@
           </a:ln>
           <a:extLst>
             <a:ext uri="{909E8E84-426E-40dd-AFC4-6F175D3DCCD1}">
-              <a14:hiddenFill xmlns="" xmlns:a14="http://schemas.microsoft.com/office/drawing/2010/main">
+              <a14:hiddenFill xmlns:a14="http://schemas.microsoft.com/office/drawing/2010/main" xmlns="">
                 <a:solidFill>
                   <a:srgbClr val="FFFFFF"/>
                 </a:solidFill>
               </a14:hiddenFill>
             </a:ext>
             <a:ext uri="{91240B29-F687-4f45-9708-019B960494DF}">
-              <a14:hiddenLine xmlns="" xmlns:a14="http://schemas.microsoft.com/office/drawing/2010/main" w="12700">
+              <a14:hiddenLine xmlns:a14="http://schemas.microsoft.com/office/drawing/2010/main" xmlns="" w="12700">
                 <a:solidFill>
                   <a:srgbClr val="000000"/>
                 </a:solidFill>
@@ -7219,7 +7219,7 @@
           </a:ln>
           <a:extLst>
             <a:ext uri="{91240B29-F687-4f45-9708-019B960494DF}">
-              <a14:hiddenLine xmlns="" xmlns:a14="http://schemas.microsoft.com/office/drawing/2010/main" w="12700">
+              <a14:hiddenLine xmlns:a14="http://schemas.microsoft.com/office/drawing/2010/main" xmlns="" w="12700">
                 <a:solidFill>
                   <a:srgbClr val="000000"/>
                 </a:solidFill>
@@ -7404,7 +7404,7 @@
           </a:ln>
           <a:extLst>
             <a:ext uri="{909E8E84-426E-40dd-AFC4-6F175D3DCCD1}">
-              <a14:hiddenFill xmlns="" xmlns:a14="http://schemas.microsoft.com/office/drawing/2010/main">
+              <a14:hiddenFill xmlns:a14="http://schemas.microsoft.com/office/drawing/2010/main" xmlns="">
                 <a:noFill/>
               </a14:hiddenFill>
             </a:ext>
@@ -7448,7 +7448,7 @@
           </a:ln>
           <a:extLst>
             <a:ext uri="{909E8E84-426E-40dd-AFC4-6F175D3DCCD1}">
-              <a14:hiddenFill xmlns="" xmlns:a14="http://schemas.microsoft.com/office/drawing/2010/main">
+              <a14:hiddenFill xmlns:a14="http://schemas.microsoft.com/office/drawing/2010/main" xmlns="">
                 <a:noFill/>
               </a14:hiddenFill>
             </a:ext>
@@ -7505,7 +7505,7 @@
           </a:ln>
           <a:extLst>
             <a:ext uri="{909E8E84-426E-40dd-AFC4-6F175D3DCCD1}">
-              <a14:hiddenFill xmlns="" xmlns:a14="http://schemas.microsoft.com/office/drawing/2010/main">
+              <a14:hiddenFill xmlns:a14="http://schemas.microsoft.com/office/drawing/2010/main" xmlns="">
                 <a:solidFill>
                   <a:srgbClr val="FFFFFF"/>
                 </a:solidFill>
@@ -7577,14 +7577,14 @@
           </a:ln>
           <a:extLst>
             <a:ext uri="{909E8E84-426E-40dd-AFC4-6F175D3DCCD1}">
-              <a14:hiddenFill xmlns="" xmlns:a14="http://schemas.microsoft.com/office/drawing/2010/main">
+              <a14:hiddenFill xmlns:a14="http://schemas.microsoft.com/office/drawing/2010/main" xmlns="">
                 <a:solidFill>
                   <a:srgbClr val="FFFFFF"/>
                 </a:solidFill>
               </a14:hiddenFill>
             </a:ext>
             <a:ext uri="{91240B29-F687-4f45-9708-019B960494DF}">
-              <a14:hiddenLine xmlns="" xmlns:a14="http://schemas.microsoft.com/office/drawing/2010/main" w="12700">
+              <a14:hiddenLine xmlns:a14="http://schemas.microsoft.com/office/drawing/2010/main" xmlns="" w="12700">
                 <a:solidFill>
                   <a:srgbClr val="000000"/>
                 </a:solidFill>
@@ -7913,14 +7913,14 @@
           </a:ln>
           <a:extLst>
             <a:ext uri="{909E8E84-426E-40dd-AFC4-6F175D3DCCD1}">
-              <a14:hiddenFill xmlns="" xmlns:a14="http://schemas.microsoft.com/office/drawing/2010/main">
+              <a14:hiddenFill xmlns:a14="http://schemas.microsoft.com/office/drawing/2010/main" xmlns="">
                 <a:solidFill>
                   <a:srgbClr val="FFFFFF"/>
                 </a:solidFill>
               </a14:hiddenFill>
             </a:ext>
             <a:ext uri="{91240B29-F687-4f45-9708-019B960494DF}">
-              <a14:hiddenLine xmlns="" xmlns:a14="http://schemas.microsoft.com/office/drawing/2010/main" w="9525">
+              <a14:hiddenLine xmlns:a14="http://schemas.microsoft.com/office/drawing/2010/main" xmlns="" w="9525">
                 <a:solidFill>
                   <a:srgbClr val="000000"/>
                 </a:solidFill>
@@ -8088,14 +8088,14 @@
           </a:ln>
           <a:extLst>
             <a:ext uri="{909E8E84-426E-40dd-AFC4-6F175D3DCCD1}">
-              <a14:hiddenFill xmlns="" xmlns:a14="http://schemas.microsoft.com/office/drawing/2010/main">
+              <a14:hiddenFill xmlns:a14="http://schemas.microsoft.com/office/drawing/2010/main" xmlns="">
                 <a:solidFill>
                   <a:srgbClr val="FFFFFF"/>
                 </a:solidFill>
               </a14:hiddenFill>
             </a:ext>
             <a:ext uri="{91240B29-F687-4f45-9708-019B960494DF}">
-              <a14:hiddenLine xmlns="" xmlns:a14="http://schemas.microsoft.com/office/drawing/2010/main" w="9525">
+              <a14:hiddenLine xmlns:a14="http://schemas.microsoft.com/office/drawing/2010/main" xmlns="" w="9525">
                 <a:solidFill>
                   <a:srgbClr val="000000"/>
                 </a:solidFill>
@@ -8263,14 +8263,14 @@
           </a:ln>
           <a:extLst>
             <a:ext uri="{909E8E84-426E-40dd-AFC4-6F175D3DCCD1}">
-              <a14:hiddenFill xmlns="" xmlns:a14="http://schemas.microsoft.com/office/drawing/2010/main">
+              <a14:hiddenFill xmlns:a14="http://schemas.microsoft.com/office/drawing/2010/main" xmlns="">
                 <a:solidFill>
                   <a:srgbClr val="FFFFFF"/>
                 </a:solidFill>
               </a14:hiddenFill>
             </a:ext>
             <a:ext uri="{91240B29-F687-4f45-9708-019B960494DF}">
-              <a14:hiddenLine xmlns="" xmlns:a14="http://schemas.microsoft.com/office/drawing/2010/main" w="12700">
+              <a14:hiddenLine xmlns:a14="http://schemas.microsoft.com/office/drawing/2010/main" xmlns="" w="12700">
                 <a:solidFill>
                   <a:srgbClr val="000000"/>
                 </a:solidFill>
@@ -8437,14 +8437,14 @@
           </a:ln>
           <a:extLst>
             <a:ext uri="{909E8E84-426E-40dd-AFC4-6F175D3DCCD1}">
-              <a14:hiddenFill xmlns="" xmlns:a14="http://schemas.microsoft.com/office/drawing/2010/main">
+              <a14:hiddenFill xmlns:a14="http://schemas.microsoft.com/office/drawing/2010/main" xmlns="">
                 <a:solidFill>
                   <a:srgbClr val="FFFFFF"/>
                 </a:solidFill>
               </a14:hiddenFill>
             </a:ext>
             <a:ext uri="{91240B29-F687-4f45-9708-019B960494DF}">
-              <a14:hiddenLine xmlns="" xmlns:a14="http://schemas.microsoft.com/office/drawing/2010/main" w="9525">
+              <a14:hiddenLine xmlns:a14="http://schemas.microsoft.com/office/drawing/2010/main" xmlns="" w="9525">
                 <a:solidFill>
                   <a:srgbClr val="000000"/>
                 </a:solidFill>
@@ -8527,7 +8527,7 @@
           </a:ln>
           <a:extLst>
             <a:ext uri="{91240B29-F687-4f45-9708-019B960494DF}">
-              <a14:hiddenLine xmlns="" xmlns:a14="http://schemas.microsoft.com/office/drawing/2010/main" w="9525">
+              <a14:hiddenLine xmlns:a14="http://schemas.microsoft.com/office/drawing/2010/main" xmlns="" w="9525">
                 <a:solidFill>
                   <a:srgbClr val="000000"/>
                 </a:solidFill>
@@ -8712,14 +8712,14 @@
           </a:ln>
           <a:extLst>
             <a:ext uri="{909E8E84-426E-40dd-AFC4-6F175D3DCCD1}">
-              <a14:hiddenFill xmlns="" xmlns:a14="http://schemas.microsoft.com/office/drawing/2010/main">
+              <a14:hiddenFill xmlns:a14="http://schemas.microsoft.com/office/drawing/2010/main" xmlns="">
                 <a:solidFill>
                   <a:srgbClr val="FFFFFF"/>
                 </a:solidFill>
               </a14:hiddenFill>
             </a:ext>
             <a:ext uri="{91240B29-F687-4f45-9708-019B960494DF}">
-              <a14:hiddenLine xmlns="" xmlns:a14="http://schemas.microsoft.com/office/drawing/2010/main" w="12700">
+              <a14:hiddenLine xmlns:a14="http://schemas.microsoft.com/office/drawing/2010/main" xmlns="" w="12700">
                 <a:solidFill>
                   <a:srgbClr val="000000"/>
                 </a:solidFill>
@@ -8755,7 +8755,7 @@
           </a:ln>
           <a:extLst>
             <a:ext uri="{91240B29-F687-4f45-9708-019B960494DF}">
-              <a14:hiddenLine xmlns="" xmlns:a14="http://schemas.microsoft.com/office/drawing/2010/main" w="12700">
+              <a14:hiddenLine xmlns:a14="http://schemas.microsoft.com/office/drawing/2010/main" xmlns="" w="12700">
                 <a:solidFill>
                   <a:srgbClr val="000000"/>
                 </a:solidFill>
@@ -8940,7 +8940,7 @@
           </a:ln>
           <a:extLst>
             <a:ext uri="{909E8E84-426E-40dd-AFC4-6F175D3DCCD1}">
-              <a14:hiddenFill xmlns="" xmlns:a14="http://schemas.microsoft.com/office/drawing/2010/main">
+              <a14:hiddenFill xmlns:a14="http://schemas.microsoft.com/office/drawing/2010/main" xmlns="">
                 <a:noFill/>
               </a14:hiddenFill>
             </a:ext>
@@ -8984,7 +8984,7 @@
           </a:ln>
           <a:extLst>
             <a:ext uri="{909E8E84-426E-40dd-AFC4-6F175D3DCCD1}">
-              <a14:hiddenFill xmlns="" xmlns:a14="http://schemas.microsoft.com/office/drawing/2010/main">
+              <a14:hiddenFill xmlns:a14="http://schemas.microsoft.com/office/drawing/2010/main" xmlns="">
                 <a:noFill/>
               </a14:hiddenFill>
             </a:ext>
@@ -9041,7 +9041,7 @@
           </a:ln>
           <a:extLst>
             <a:ext uri="{909E8E84-426E-40dd-AFC4-6F175D3DCCD1}">
-              <a14:hiddenFill xmlns="" xmlns:a14="http://schemas.microsoft.com/office/drawing/2010/main">
+              <a14:hiddenFill xmlns:a14="http://schemas.microsoft.com/office/drawing/2010/main" xmlns="">
                 <a:solidFill>
                   <a:srgbClr val="FFFFFF"/>
                 </a:solidFill>
@@ -9090,7 +9090,7 @@
           </a:ln>
           <a:extLst>
             <a:ext uri="{909E8E84-426E-40dd-AFC4-6F175D3DCCD1}">
-              <a14:hiddenFill xmlns="" xmlns:a14="http://schemas.microsoft.com/office/drawing/2010/main">
+              <a14:hiddenFill xmlns:a14="http://schemas.microsoft.com/office/drawing/2010/main" xmlns="">
                 <a:solidFill>
                   <a:srgbClr val="FFFFFF"/>
                 </a:solidFill>
@@ -9167,7 +9167,7 @@
           </a:ln>
           <a:extLst>
             <a:ext uri="{909E8E84-426E-40dd-AFC4-6F175D3DCCD1}">
-              <a14:hiddenFill xmlns="" xmlns:a14="http://schemas.microsoft.com/office/drawing/2010/main">
+              <a14:hiddenFill xmlns:a14="http://schemas.microsoft.com/office/drawing/2010/main" xmlns="">
                 <a:noFill/>
               </a14:hiddenFill>
             </a:ext>
@@ -9206,14 +9206,14 @@
           </a:ln>
           <a:extLst>
             <a:ext uri="{909E8E84-426E-40dd-AFC4-6F175D3DCCD1}">
-              <a14:hiddenFill xmlns="" xmlns:a14="http://schemas.microsoft.com/office/drawing/2010/main">
+              <a14:hiddenFill xmlns:a14="http://schemas.microsoft.com/office/drawing/2010/main" xmlns="">
                 <a:solidFill>
                   <a:srgbClr val="FFFFFF"/>
                 </a:solidFill>
               </a14:hiddenFill>
             </a:ext>
             <a:ext uri="{91240B29-F687-4f45-9708-019B960494DF}">
-              <a14:hiddenLine xmlns="" xmlns:a14="http://schemas.microsoft.com/office/drawing/2010/main" w="12700">
+              <a14:hiddenLine xmlns:a14="http://schemas.microsoft.com/office/drawing/2010/main" xmlns="" w="12700">
                 <a:solidFill>
                   <a:srgbClr val="000000"/>
                 </a:solidFill>
@@ -9542,14 +9542,14 @@
           </a:ln>
           <a:extLst>
             <a:ext uri="{909E8E84-426E-40dd-AFC4-6F175D3DCCD1}">
-              <a14:hiddenFill xmlns="" xmlns:a14="http://schemas.microsoft.com/office/drawing/2010/main">
+              <a14:hiddenFill xmlns:a14="http://schemas.microsoft.com/office/drawing/2010/main" xmlns="">
                 <a:solidFill>
                   <a:srgbClr val="FFFFFF"/>
                 </a:solidFill>
               </a14:hiddenFill>
             </a:ext>
             <a:ext uri="{91240B29-F687-4f45-9708-019B960494DF}">
-              <a14:hiddenLine xmlns="" xmlns:a14="http://schemas.microsoft.com/office/drawing/2010/main" w="9525">
+              <a14:hiddenLine xmlns:a14="http://schemas.microsoft.com/office/drawing/2010/main" xmlns="" w="9525">
                 <a:solidFill>
                   <a:srgbClr val="000000"/>
                 </a:solidFill>
@@ -9717,14 +9717,14 @@
           </a:ln>
           <a:extLst>
             <a:ext uri="{909E8E84-426E-40dd-AFC4-6F175D3DCCD1}">
-              <a14:hiddenFill xmlns="" xmlns:a14="http://schemas.microsoft.com/office/drawing/2010/main">
+              <a14:hiddenFill xmlns:a14="http://schemas.microsoft.com/office/drawing/2010/main" xmlns="">
                 <a:solidFill>
                   <a:srgbClr val="FFFFFF"/>
                 </a:solidFill>
               </a14:hiddenFill>
             </a:ext>
             <a:ext uri="{91240B29-F687-4f45-9708-019B960494DF}">
-              <a14:hiddenLine xmlns="" xmlns:a14="http://schemas.microsoft.com/office/drawing/2010/main" w="9525">
+              <a14:hiddenLine xmlns:a14="http://schemas.microsoft.com/office/drawing/2010/main" xmlns="" w="9525">
                 <a:solidFill>
                   <a:srgbClr val="000000"/>
                 </a:solidFill>
@@ -9892,14 +9892,14 @@
           </a:ln>
           <a:extLst>
             <a:ext uri="{909E8E84-426E-40dd-AFC4-6F175D3DCCD1}">
-              <a14:hiddenFill xmlns="" xmlns:a14="http://schemas.microsoft.com/office/drawing/2010/main">
+              <a14:hiddenFill xmlns:a14="http://schemas.microsoft.com/office/drawing/2010/main" xmlns="">
                 <a:solidFill>
                   <a:srgbClr val="FFFFFF"/>
                 </a:solidFill>
               </a14:hiddenFill>
             </a:ext>
             <a:ext uri="{91240B29-F687-4f45-9708-019B960494DF}">
-              <a14:hiddenLine xmlns="" xmlns:a14="http://schemas.microsoft.com/office/drawing/2010/main" w="9525">
+              <a14:hiddenLine xmlns:a14="http://schemas.microsoft.com/office/drawing/2010/main" xmlns="" w="9525">
                 <a:solidFill>
                   <a:srgbClr val="000000"/>
                 </a:solidFill>
@@ -10080,14 +10080,14 @@
           </a:ln>
           <a:extLst>
             <a:ext uri="{909E8E84-426E-40dd-AFC4-6F175D3DCCD1}">
-              <a14:hiddenFill xmlns="" xmlns:a14="http://schemas.microsoft.com/office/drawing/2010/main">
+              <a14:hiddenFill xmlns:a14="http://schemas.microsoft.com/office/drawing/2010/main" xmlns="">
                 <a:solidFill>
                   <a:srgbClr val="FFFFFF"/>
                 </a:solidFill>
               </a14:hiddenFill>
             </a:ext>
             <a:ext uri="{91240B29-F687-4f45-9708-019B960494DF}">
-              <a14:hiddenLine xmlns="" xmlns:a14="http://schemas.microsoft.com/office/drawing/2010/main" w="12700">
+              <a14:hiddenLine xmlns:a14="http://schemas.microsoft.com/office/drawing/2010/main" xmlns="" w="12700">
                 <a:solidFill>
                   <a:srgbClr val="000000"/>
                 </a:solidFill>
@@ -10254,14 +10254,14 @@
           </a:ln>
           <a:extLst>
             <a:ext uri="{909E8E84-426E-40dd-AFC4-6F175D3DCCD1}">
-              <a14:hiddenFill xmlns="" xmlns:a14="http://schemas.microsoft.com/office/drawing/2010/main">
+              <a14:hiddenFill xmlns:a14="http://schemas.microsoft.com/office/drawing/2010/main" xmlns="">
                 <a:solidFill>
                   <a:srgbClr val="FFFFFF"/>
                 </a:solidFill>
               </a14:hiddenFill>
             </a:ext>
             <a:ext uri="{91240B29-F687-4f45-9708-019B960494DF}">
-              <a14:hiddenLine xmlns="" xmlns:a14="http://schemas.microsoft.com/office/drawing/2010/main" w="9525">
+              <a14:hiddenLine xmlns:a14="http://schemas.microsoft.com/office/drawing/2010/main" xmlns="" w="9525">
                 <a:solidFill>
                   <a:srgbClr val="000000"/>
                 </a:solidFill>
@@ -10519,14 +10519,14 @@
           </a:ln>
           <a:extLst>
             <a:ext uri="{909E8E84-426E-40dd-AFC4-6F175D3DCCD1}">
-              <a14:hiddenFill xmlns="" xmlns:a14="http://schemas.microsoft.com/office/drawing/2010/main">
+              <a14:hiddenFill xmlns:a14="http://schemas.microsoft.com/office/drawing/2010/main" xmlns="">
                 <a:solidFill>
                   <a:srgbClr val="FFFFFF"/>
                 </a:solidFill>
               </a14:hiddenFill>
             </a:ext>
             <a:ext uri="{91240B29-F687-4f45-9708-019B960494DF}">
-              <a14:hiddenLine xmlns="" xmlns:a14="http://schemas.microsoft.com/office/drawing/2010/main" w="12700">
+              <a14:hiddenLine xmlns:a14="http://schemas.microsoft.com/office/drawing/2010/main" xmlns="" w="12700">
                 <a:solidFill>
                   <a:srgbClr val="000000"/>
                 </a:solidFill>
@@ -10774,14 +10774,14 @@
           </a:ln>
           <a:extLst>
             <a:ext uri="{909E8E84-426E-40dd-AFC4-6F175D3DCCD1}">
-              <a14:hiddenFill xmlns="" xmlns:a14="http://schemas.microsoft.com/office/drawing/2010/main">
+              <a14:hiddenFill xmlns:a14="http://schemas.microsoft.com/office/drawing/2010/main" xmlns="">
                 <a:solidFill>
                   <a:srgbClr val="FFFFFF"/>
                 </a:solidFill>
               </a14:hiddenFill>
             </a:ext>
             <a:ext uri="{91240B29-F687-4f45-9708-019B960494DF}">
-              <a14:hiddenLine xmlns="" xmlns:a14="http://schemas.microsoft.com/office/drawing/2010/main" w="12700">
+              <a14:hiddenLine xmlns:a14="http://schemas.microsoft.com/office/drawing/2010/main" xmlns="" w="12700">
                 <a:solidFill>
                   <a:srgbClr val="000000"/>
                 </a:solidFill>
@@ -10828,14 +10828,14 @@
           </a:ln>
           <a:extLst>
             <a:ext uri="{909E8E84-426E-40dd-AFC4-6F175D3DCCD1}">
-              <a14:hiddenFill xmlns="" xmlns:a14="http://schemas.microsoft.com/office/drawing/2010/main">
+              <a14:hiddenFill xmlns:a14="http://schemas.microsoft.com/office/drawing/2010/main" xmlns="">
                 <a:solidFill>
                   <a:srgbClr val="FFFFFF"/>
                 </a:solidFill>
               </a14:hiddenFill>
             </a:ext>
             <a:ext uri="{91240B29-F687-4f45-9708-019B960494DF}">
-              <a14:hiddenLine xmlns="" xmlns:a14="http://schemas.microsoft.com/office/drawing/2010/main" w="12700">
+              <a14:hiddenLine xmlns:a14="http://schemas.microsoft.com/office/drawing/2010/main" xmlns="" w="12700">
                 <a:solidFill>
                   <a:srgbClr val="000000"/>
                 </a:solidFill>
@@ -10912,14 +10912,14 @@
           </a:ln>
           <a:extLst>
             <a:ext uri="{909E8E84-426E-40dd-AFC4-6F175D3DCCD1}">
-              <a14:hiddenFill xmlns="" xmlns:a14="http://schemas.microsoft.com/office/drawing/2010/main">
+              <a14:hiddenFill xmlns:a14="http://schemas.microsoft.com/office/drawing/2010/main" xmlns="">
                 <a:solidFill>
                   <a:srgbClr val="FFFFFF"/>
                 </a:solidFill>
               </a14:hiddenFill>
             </a:ext>
             <a:ext uri="{91240B29-F687-4f45-9708-019B960494DF}">
-              <a14:hiddenLine xmlns="" xmlns:a14="http://schemas.microsoft.com/office/drawing/2010/main" w="12700">
+              <a14:hiddenLine xmlns:a14="http://schemas.microsoft.com/office/drawing/2010/main" xmlns="" w="12700">
                 <a:solidFill>
                   <a:srgbClr val="000000"/>
                 </a:solidFill>
@@ -10953,14 +10953,14 @@
           </a:ln>
           <a:extLst>
             <a:ext uri="{909E8E84-426E-40dd-AFC4-6F175D3DCCD1}">
-              <a14:hiddenFill xmlns="" xmlns:a14="http://schemas.microsoft.com/office/drawing/2010/main">
+              <a14:hiddenFill xmlns:a14="http://schemas.microsoft.com/office/drawing/2010/main" xmlns="">
                 <a:solidFill>
                   <a:srgbClr val="FFFFFF"/>
                 </a:solidFill>
               </a14:hiddenFill>
             </a:ext>
             <a:ext uri="{91240B29-F687-4f45-9708-019B960494DF}">
-              <a14:hiddenLine xmlns="" xmlns:a14="http://schemas.microsoft.com/office/drawing/2010/main" w="12700">
+              <a14:hiddenLine xmlns:a14="http://schemas.microsoft.com/office/drawing/2010/main" xmlns="" w="12700">
                 <a:solidFill>
                   <a:srgbClr val="000000"/>
                 </a:solidFill>
@@ -11170,14 +11170,14 @@
           </a:ln>
           <a:extLst>
             <a:ext uri="{909E8E84-426E-40dd-AFC4-6F175D3DCCD1}">
-              <a14:hiddenFill xmlns="" xmlns:a14="http://schemas.microsoft.com/office/drawing/2010/main">
+              <a14:hiddenFill xmlns:a14="http://schemas.microsoft.com/office/drawing/2010/main" xmlns="">
                 <a:solidFill>
                   <a:srgbClr val="FFFFFF"/>
                 </a:solidFill>
               </a14:hiddenFill>
             </a:ext>
             <a:ext uri="{91240B29-F687-4f45-9708-019B960494DF}">
-              <a14:hiddenLine xmlns="" xmlns:a14="http://schemas.microsoft.com/office/drawing/2010/main" w="12700">
+              <a14:hiddenLine xmlns:a14="http://schemas.microsoft.com/office/drawing/2010/main" xmlns="" w="12700">
                 <a:solidFill>
                   <a:srgbClr val="000000"/>
                 </a:solidFill>
@@ -11638,8 +11638,8 @@
         </p:nvSpPr>
         <p:spPr bwMode="auto">
           <a:xfrm>
-            <a:off x="887588" y="958160"/>
-            <a:ext cx="12877801" cy="7817525"/>
+            <a:off x="887588" y="988938"/>
+            <a:ext cx="12877801" cy="7755969"/>
           </a:xfrm>
           <a:prstGeom prst="rect">
             <a:avLst/>
@@ -11793,11 +11793,9 @@
               <a:defRPr/>
             </a:pPr>
             <a:r>
-              <a:rPr lang="en-US" altLang="en-US" sz="3200" b="1" dirty="0">
-                <a:solidFill>
-                  <a:schemeClr val="bg1">
-                    <a:lumMod val="65000"/>
-                  </a:schemeClr>
+              <a:rPr lang="en-US" altLang="en-US" sz="2800" b="1" dirty="0">
+                <a:solidFill>
+                  <a:srgbClr val="DDDDDD"/>
                 </a:solidFill>
                 <a:latin typeface="Courier" charset="0"/>
                 <a:ea typeface="ＭＳ Ｐゴシック" charset="-128"/>
@@ -11832,9 +11830,7 @@
             <a:r>
               <a:rPr lang="en-US" altLang="en-US" sz="2800" b="1" dirty="0">
                 <a:solidFill>
-                  <a:schemeClr val="bg1">
-                    <a:lumMod val="75000"/>
-                  </a:schemeClr>
+                  <a:schemeClr val="accent1"/>
                 </a:solidFill>
                 <a:latin typeface="Courier" charset="0"/>
                 <a:ea typeface="ＭＳ Ｐゴシック" charset="-128"/>
@@ -11849,9 +11845,7 @@
             <a:r>
               <a:rPr lang="en-US" altLang="en-US" sz="2800" b="1" dirty="0">
                 <a:solidFill>
-                  <a:schemeClr val="bg1">
-                    <a:lumMod val="75000"/>
-                  </a:schemeClr>
+                  <a:schemeClr val="accent1"/>
                 </a:solidFill>
                 <a:latin typeface="Courier" charset="0"/>
                 <a:ea typeface="ＭＳ Ｐゴシック" charset="-128"/>
@@ -11866,9 +11860,7 @@
             <a:r>
               <a:rPr lang="en-US" altLang="en-US" sz="2800" b="1" dirty="0">
                 <a:solidFill>
-                  <a:schemeClr val="bg1">
-                    <a:lumMod val="75000"/>
-                  </a:schemeClr>
+                  <a:schemeClr val="accent1"/>
                 </a:solidFill>
                 <a:latin typeface="Courier" charset="0"/>
                 <a:ea typeface="ＭＳ Ｐゴシック" charset="-128"/>
@@ -11888,27 +11880,7 @@
                 <a:latin typeface="Courier" charset="0"/>
                 <a:ea typeface="ＭＳ Ｐゴシック" charset="-128"/>
               </a:rPr>
-              <a:t>GET http://data.pr4e.org/</a:t>
-            </a:r>
-            <a:r>
-              <a:rPr lang="en-US" altLang="en-US" sz="2800" b="1" dirty="0" err="1">
-                <a:solidFill>
-                  <a:srgbClr val="00FF00"/>
-                </a:solidFill>
-                <a:latin typeface="Courier" charset="0"/>
-                <a:ea typeface="ＭＳ Ｐゴシック" charset="-128"/>
-              </a:rPr>
-              <a:t>romeo.txt</a:t>
-            </a:r>
-            <a:r>
-              <a:rPr lang="en-US" altLang="en-US" sz="2800" b="1" dirty="0">
-                <a:solidFill>
-                  <a:srgbClr val="00FF00"/>
-                </a:solidFill>
-                <a:latin typeface="Courier" charset="0"/>
-                <a:ea typeface="ＭＳ Ｐゴシック" charset="-128"/>
-              </a:rPr>
-              <a:t> HTTP/1.0</a:t>
+              <a:t>GET http://data.pr4e.org/page1.htm HTTP/1.0</a:t>
             </a:r>
           </a:p>
           <a:p>
@@ -11950,7 +11922,7 @@
                 <a:latin typeface="Courier" charset="0"/>
                 <a:ea typeface="ＭＳ Ｐゴシック" charset="-128"/>
               </a:rPr>
-              <a:t>Date: Sat, 30 Dec 2023 15:23:45 GMT</a:t>
+              <a:t>Date: Tue, 30 Jan 2024 15:30:13 GMT</a:t>
             </a:r>
           </a:p>
           <a:p>
@@ -11980,7 +11952,7 @@
                 <a:latin typeface="Courier" charset="0"/>
                 <a:ea typeface="ＭＳ Ｐゴシック" charset="-128"/>
               </a:rPr>
-              <a:t>Last-Modified: Sat, 13 May 2017 11:22:22 GMT</a:t>
+              <a:t>Last-Modified: Mon, 15 May 2017 11:11:47 GMT</a:t>
             </a:r>
           </a:p>
           <a:p>
@@ -11995,7 +11967,7 @@
                 <a:latin typeface="Courier" charset="0"/>
                 <a:ea typeface="ＭＳ Ｐゴシック" charset="-128"/>
               </a:rPr>
-              <a:t>Content-Length: 167</a:t>
+              <a:t>Content-Length: 128</a:t>
             </a:r>
           </a:p>
           <a:p>
@@ -12010,7 +11982,7 @@
                 <a:latin typeface="Courier" charset="0"/>
                 <a:ea typeface="ＭＳ Ｐゴシック" charset="-128"/>
               </a:rPr>
-              <a:t>Content-Type: text/plain</a:t>
+              <a:t>Content-Type: text/html</a:t>
             </a:r>
           </a:p>
           <a:p>
@@ -12037,7 +12009,7 @@
                 <a:latin typeface="Courier" charset="0"/>
                 <a:ea typeface="ＭＳ Ｐゴシック" charset="-128"/>
               </a:rPr>
-              <a:t>But soft what light through yonder window breaks</a:t>
+              <a:t>&lt;h1&gt;The First Page&lt;/h1&gt;</a:t>
             </a:r>
           </a:p>
           <a:p>
@@ -12052,7 +12024,7 @@
                 <a:latin typeface="Courier" charset="0"/>
                 <a:ea typeface="ＭＳ Ｐゴシック" charset="-128"/>
               </a:rPr>
-              <a:t>It is the east and Juliet is the sun</a:t>
+              <a:t>&lt;p&gt;If you like, you can switch to </a:t>
             </a:r>
           </a:p>
           <a:p>
@@ -12067,22 +12039,46 @@
                 <a:latin typeface="Courier" charset="0"/>
                 <a:ea typeface="ＭＳ Ｐゴシック" charset="-128"/>
               </a:rPr>
-              <a:t>Arise fair sun and kill the envious moon</a:t>
-            </a:r>
-          </a:p>
-          <a:p>
-            <a:pPr eaLnBrk="1" hangingPunct="1">
-              <a:defRPr/>
-            </a:pPr>
-            <a:r>
-              <a:rPr lang="en-US" altLang="en-US" sz="2800" b="1" dirty="0">
+              <a:t>the &lt;a </a:t>
+            </a:r>
+            <a:r>
+              <a:rPr lang="en-US" altLang="en-US" sz="2800" b="1" dirty="0" err="1">
                 <a:solidFill>
                   <a:srgbClr val="66FFCC"/>
                 </a:solidFill>
                 <a:latin typeface="Courier" charset="0"/>
                 <a:ea typeface="ＭＳ Ｐゴシック" charset="-128"/>
               </a:rPr>
-              <a:t>Who is already sick and pale with grief</a:t>
+              <a:t>href</a:t>
+            </a:r>
+            <a:r>
+              <a:rPr lang="en-US" altLang="en-US" sz="2800" b="1" dirty="0">
+                <a:solidFill>
+                  <a:srgbClr val="66FFCC"/>
+                </a:solidFill>
+                <a:latin typeface="Courier" charset="0"/>
+                <a:ea typeface="ＭＳ Ｐゴシック" charset="-128"/>
+              </a:rPr>
+              <a:t>="http://data.pr4e.org/page2.htm"&gt;Second </a:t>
+            </a:r>
+            <a:br>
+              <a:rPr lang="en-US" altLang="en-US" sz="2800" b="1" dirty="0">
+                <a:solidFill>
+                  <a:srgbClr val="66FFCC"/>
+                </a:solidFill>
+                <a:latin typeface="Courier" charset="0"/>
+                <a:ea typeface="ＭＳ Ｐゴシック" charset="-128"/>
+              </a:rPr>
+            </a:br>
+            <a:r>
+              <a:rPr lang="en-US" altLang="en-US" sz="2800" b="1" dirty="0">
+                <a:solidFill>
+                  <a:srgbClr val="66FFCC"/>
+                </a:solidFill>
+                <a:latin typeface="Courier" charset="0"/>
+                <a:ea typeface="ＭＳ Ｐゴシック" charset="-128"/>
+              </a:rPr>
+              <a:t>Page&lt;/a&gt;.&lt;/p&gt;</a:t>
             </a:r>
           </a:p>
           <a:p>
@@ -12579,7 +12575,7 @@
     </p:spTree>
     <p:extLst>
       <p:ext uri="{BB962C8B-B14F-4D97-AF65-F5344CB8AC3E}">
-        <p14:creationId xmlns:p14="http://schemas.microsoft.com/office/powerpoint/2010/main" val="738030091"/>
+        <p14:creationId xmlns:p14="http://schemas.microsoft.com/office/powerpoint/2010/main" val="92031542"/>
       </p:ext>
     </p:extLst>
   </p:cSld>
@@ -12757,14 +12753,14 @@
           </a:ln>
           <a:extLst>
             <a:ext uri="{909E8E84-426E-40dd-AFC4-6F175D3DCCD1}">
-              <a14:hiddenFill xmlns="" xmlns:a14="http://schemas.microsoft.com/office/drawing/2010/main">
+              <a14:hiddenFill xmlns:a14="http://schemas.microsoft.com/office/drawing/2010/main" xmlns="">
                 <a:solidFill>
                   <a:srgbClr val="FFFFFF"/>
                 </a:solidFill>
               </a14:hiddenFill>
             </a:ext>
             <a:ext uri="{91240B29-F687-4f45-9708-019B960494DF}">
-              <a14:hiddenLine xmlns="" xmlns:a14="http://schemas.microsoft.com/office/drawing/2010/main" w="12700">
+              <a14:hiddenLine xmlns:a14="http://schemas.microsoft.com/office/drawing/2010/main" xmlns="" w="12700">
                 <a:solidFill>
                   <a:srgbClr val="000000"/>
                 </a:solidFill>
@@ -12811,14 +12807,14 @@
           </a:ln>
           <a:extLst>
             <a:ext uri="{909E8E84-426E-40dd-AFC4-6F175D3DCCD1}">
-              <a14:hiddenFill xmlns="" xmlns:a14="http://schemas.microsoft.com/office/drawing/2010/main">
+              <a14:hiddenFill xmlns:a14="http://schemas.microsoft.com/office/drawing/2010/main" xmlns="">
                 <a:solidFill>
                   <a:srgbClr val="FFFFFF"/>
                 </a:solidFill>
               </a14:hiddenFill>
             </a:ext>
             <a:ext uri="{91240B29-F687-4f45-9708-019B960494DF}">
-              <a14:hiddenLine xmlns="" xmlns:a14="http://schemas.microsoft.com/office/drawing/2010/main" w="12700">
+              <a14:hiddenLine xmlns:a14="http://schemas.microsoft.com/office/drawing/2010/main" xmlns="" w="12700">
                 <a:solidFill>
                   <a:srgbClr val="000000"/>
                 </a:solidFill>
@@ -12852,14 +12848,14 @@
           </a:ln>
           <a:extLst>
             <a:ext uri="{909E8E84-426E-40dd-AFC4-6F175D3DCCD1}">
-              <a14:hiddenFill xmlns="" xmlns:a14="http://schemas.microsoft.com/office/drawing/2010/main">
+              <a14:hiddenFill xmlns:a14="http://schemas.microsoft.com/office/drawing/2010/main" xmlns="">
                 <a:solidFill>
                   <a:srgbClr val="FFFFFF"/>
                 </a:solidFill>
               </a14:hiddenFill>
             </a:ext>
             <a:ext uri="{91240B29-F687-4f45-9708-019B960494DF}">
-              <a14:hiddenLine xmlns="" xmlns:a14="http://schemas.microsoft.com/office/drawing/2010/main" w="12700">
+              <a14:hiddenLine xmlns:a14="http://schemas.microsoft.com/office/drawing/2010/main" xmlns="" w="12700">
                 <a:solidFill>
                   <a:srgbClr val="000000"/>
                 </a:solidFill>
@@ -16461,7 +16457,7 @@
           </a:ln>
           <a:extLst>
             <a:ext uri="{91240B29-F687-4f45-9708-019B960494DF}">
-              <a14:hiddenLine xmlns="" xmlns:a14="http://schemas.microsoft.com/office/drawing/2010/main" w="9525">
+              <a14:hiddenLine xmlns:a14="http://schemas.microsoft.com/office/drawing/2010/main" xmlns="" w="9525">
                 <a:solidFill>
                   <a:srgbClr val="000000"/>
                 </a:solidFill>
@@ -16646,14 +16642,14 @@
           </a:ln>
           <a:extLst>
             <a:ext uri="{909E8E84-426E-40dd-AFC4-6F175D3DCCD1}">
-              <a14:hiddenFill xmlns="" xmlns:a14="http://schemas.microsoft.com/office/drawing/2010/main">
+              <a14:hiddenFill xmlns:a14="http://schemas.microsoft.com/office/drawing/2010/main" xmlns="">
                 <a:solidFill>
                   <a:srgbClr val="FFFFFF"/>
                 </a:solidFill>
               </a14:hiddenFill>
             </a:ext>
             <a:ext uri="{91240B29-F687-4f45-9708-019B960494DF}">
-              <a14:hiddenLine xmlns="" xmlns:a14="http://schemas.microsoft.com/office/drawing/2010/main" w="12700">
+              <a14:hiddenLine xmlns:a14="http://schemas.microsoft.com/office/drawing/2010/main" xmlns="" w="12700">
                 <a:solidFill>
                   <a:srgbClr val="000000"/>
                 </a:solidFill>
@@ -16689,7 +16685,7 @@
           </a:ln>
           <a:extLst>
             <a:ext uri="{91240B29-F687-4f45-9708-019B960494DF}">
-              <a14:hiddenLine xmlns="" xmlns:a14="http://schemas.microsoft.com/office/drawing/2010/main" w="12700">
+              <a14:hiddenLine xmlns:a14="http://schemas.microsoft.com/office/drawing/2010/main" xmlns="" w="12700">
                 <a:solidFill>
                   <a:srgbClr val="000000"/>
                 </a:solidFill>
@@ -17049,7 +17045,7 @@
           </a:ln>
           <a:extLst>
             <a:ext uri="{909E8E84-426E-40dd-AFC4-6F175D3DCCD1}">
-              <a14:hiddenFill xmlns="" xmlns:a14="http://schemas.microsoft.com/office/drawing/2010/main">
+              <a14:hiddenFill xmlns:a14="http://schemas.microsoft.com/office/drawing/2010/main" xmlns="">
                 <a:solidFill>
                   <a:srgbClr val="FFFFFF"/>
                 </a:solidFill>
@@ -17112,7 +17108,7 @@
           </a:ln>
           <a:extLst>
             <a:ext uri="{91240B29-F687-4f45-9708-019B960494DF}">
-              <a14:hiddenLine xmlns="" xmlns:a14="http://schemas.microsoft.com/office/drawing/2010/main" w="9525">
+              <a14:hiddenLine xmlns:a14="http://schemas.microsoft.com/office/drawing/2010/main" xmlns="" w="9525">
                 <a:solidFill>
                   <a:srgbClr val="000000"/>
                 </a:solidFill>
@@ -17297,14 +17293,14 @@
           </a:ln>
           <a:extLst>
             <a:ext uri="{909E8E84-426E-40dd-AFC4-6F175D3DCCD1}">
-              <a14:hiddenFill xmlns="" xmlns:a14="http://schemas.microsoft.com/office/drawing/2010/main">
+              <a14:hiddenFill xmlns:a14="http://schemas.microsoft.com/office/drawing/2010/main" xmlns="">
                 <a:solidFill>
                   <a:srgbClr val="FFFFFF"/>
                 </a:solidFill>
               </a14:hiddenFill>
             </a:ext>
             <a:ext uri="{91240B29-F687-4f45-9708-019B960494DF}">
-              <a14:hiddenLine xmlns="" xmlns:a14="http://schemas.microsoft.com/office/drawing/2010/main" w="12700">
+              <a14:hiddenLine xmlns:a14="http://schemas.microsoft.com/office/drawing/2010/main" xmlns="" w="12700">
                 <a:solidFill>
                   <a:srgbClr val="000000"/>
                 </a:solidFill>
@@ -17340,7 +17336,7 @@
           </a:ln>
           <a:extLst>
             <a:ext uri="{91240B29-F687-4f45-9708-019B960494DF}">
-              <a14:hiddenLine xmlns="" xmlns:a14="http://schemas.microsoft.com/office/drawing/2010/main" w="12700">
+              <a14:hiddenLine xmlns:a14="http://schemas.microsoft.com/office/drawing/2010/main" xmlns="" w="12700">
                 <a:solidFill>
                   <a:srgbClr val="000000"/>
                 </a:solidFill>
@@ -17538,7 +17534,7 @@
           </a:ln>
           <a:extLst>
             <a:ext uri="{909E8E84-426E-40dd-AFC4-6F175D3DCCD1}">
-              <a14:hiddenFill xmlns="" xmlns:a14="http://schemas.microsoft.com/office/drawing/2010/main">
+              <a14:hiddenFill xmlns:a14="http://schemas.microsoft.com/office/drawing/2010/main" xmlns="">
                 <a:solidFill>
                   <a:srgbClr val="FFFFFF"/>
                 </a:solidFill>
@@ -17772,14 +17768,14 @@
           </a:ln>
           <a:extLst>
             <a:ext uri="{909E8E84-426E-40dd-AFC4-6F175D3DCCD1}">
-              <a14:hiddenFill xmlns="" xmlns:a14="http://schemas.microsoft.com/office/drawing/2010/main">
+              <a14:hiddenFill xmlns:a14="http://schemas.microsoft.com/office/drawing/2010/main" xmlns="">
                 <a:solidFill>
                   <a:srgbClr val="FFFFFF"/>
                 </a:solidFill>
               </a14:hiddenFill>
             </a:ext>
             <a:ext uri="{91240B29-F687-4f45-9708-019B960494DF}">
-              <a14:hiddenLine xmlns="" xmlns:a14="http://schemas.microsoft.com/office/drawing/2010/main" w="9525">
+              <a14:hiddenLine xmlns:a14="http://schemas.microsoft.com/office/drawing/2010/main" xmlns="" w="9525">
                 <a:solidFill>
                   <a:srgbClr val="000000"/>
                 </a:solidFill>
@@ -17862,7 +17858,7 @@
           </a:ln>
           <a:extLst>
             <a:ext uri="{91240B29-F687-4f45-9708-019B960494DF}">
-              <a14:hiddenLine xmlns="" xmlns:a14="http://schemas.microsoft.com/office/drawing/2010/main" w="9525">
+              <a14:hiddenLine xmlns:a14="http://schemas.microsoft.com/office/drawing/2010/main" xmlns="" w="9525">
                 <a:solidFill>
                   <a:srgbClr val="000000"/>
                 </a:solidFill>
@@ -18047,14 +18043,14 @@
           </a:ln>
           <a:extLst>
             <a:ext uri="{909E8E84-426E-40dd-AFC4-6F175D3DCCD1}">
-              <a14:hiddenFill xmlns="" xmlns:a14="http://schemas.microsoft.com/office/drawing/2010/main">
+              <a14:hiddenFill xmlns:a14="http://schemas.microsoft.com/office/drawing/2010/main" xmlns="">
                 <a:solidFill>
                   <a:srgbClr val="FFFFFF"/>
                 </a:solidFill>
               </a14:hiddenFill>
             </a:ext>
             <a:ext uri="{91240B29-F687-4f45-9708-019B960494DF}">
-              <a14:hiddenLine xmlns="" xmlns:a14="http://schemas.microsoft.com/office/drawing/2010/main" w="12700">
+              <a14:hiddenLine xmlns:a14="http://schemas.microsoft.com/office/drawing/2010/main" xmlns="" w="12700">
                 <a:solidFill>
                   <a:srgbClr val="000000"/>
                 </a:solidFill>
@@ -18090,7 +18086,7 @@
           </a:ln>
           <a:extLst>
             <a:ext uri="{91240B29-F687-4f45-9708-019B960494DF}">
-              <a14:hiddenLine xmlns="" xmlns:a14="http://schemas.microsoft.com/office/drawing/2010/main" w="12700">
+              <a14:hiddenLine xmlns:a14="http://schemas.microsoft.com/office/drawing/2010/main" xmlns="" w="12700">
                 <a:solidFill>
                   <a:srgbClr val="000000"/>
                 </a:solidFill>
@@ -18275,7 +18271,7 @@
           </a:ln>
           <a:extLst>
             <a:ext uri="{909E8E84-426E-40dd-AFC4-6F175D3DCCD1}">
-              <a14:hiddenFill xmlns="" xmlns:a14="http://schemas.microsoft.com/office/drawing/2010/main">
+              <a14:hiddenFill xmlns:a14="http://schemas.microsoft.com/office/drawing/2010/main" xmlns="">
                 <a:noFill/>
               </a14:hiddenFill>
             </a:ext>
@@ -18332,7 +18328,7 @@
           </a:ln>
           <a:extLst>
             <a:ext uri="{909E8E84-426E-40dd-AFC4-6F175D3DCCD1}">
-              <a14:hiddenFill xmlns="" xmlns:a14="http://schemas.microsoft.com/office/drawing/2010/main">
+              <a14:hiddenFill xmlns:a14="http://schemas.microsoft.com/office/drawing/2010/main" xmlns="">
                 <a:solidFill>
                   <a:srgbClr val="FFFFFF"/>
                 </a:solidFill>
@@ -18566,14 +18562,14 @@
           </a:ln>
           <a:extLst>
             <a:ext uri="{909E8E84-426E-40dd-AFC4-6F175D3DCCD1}">
-              <a14:hiddenFill xmlns="" xmlns:a14="http://schemas.microsoft.com/office/drawing/2010/main">
+              <a14:hiddenFill xmlns:a14="http://schemas.microsoft.com/office/drawing/2010/main" xmlns="">
                 <a:solidFill>
                   <a:srgbClr val="FFFFFF"/>
                 </a:solidFill>
               </a14:hiddenFill>
             </a:ext>
             <a:ext uri="{91240B29-F687-4f45-9708-019B960494DF}">
-              <a14:hiddenLine xmlns="" xmlns:a14="http://schemas.microsoft.com/office/drawing/2010/main" w="9525">
+              <a14:hiddenLine xmlns:a14="http://schemas.microsoft.com/office/drawing/2010/main" xmlns="" w="9525">
                 <a:solidFill>
                   <a:srgbClr val="000000"/>
                 </a:solidFill>
@@ -18741,14 +18737,14 @@
           </a:ln>
           <a:extLst>
             <a:ext uri="{909E8E84-426E-40dd-AFC4-6F175D3DCCD1}">
-              <a14:hiddenFill xmlns="" xmlns:a14="http://schemas.microsoft.com/office/drawing/2010/main">
+              <a14:hiddenFill xmlns:a14="http://schemas.microsoft.com/office/drawing/2010/main" xmlns="">
                 <a:solidFill>
                   <a:srgbClr val="FFFFFF"/>
                 </a:solidFill>
               </a14:hiddenFill>
             </a:ext>
             <a:ext uri="{91240B29-F687-4f45-9708-019B960494DF}">
-              <a14:hiddenLine xmlns="" xmlns:a14="http://schemas.microsoft.com/office/drawing/2010/main" w="12700">
+              <a14:hiddenLine xmlns:a14="http://schemas.microsoft.com/office/drawing/2010/main" xmlns="" w="12700">
                 <a:solidFill>
                   <a:srgbClr val="000000"/>
                 </a:solidFill>
@@ -18915,14 +18911,14 @@
           </a:ln>
           <a:extLst>
             <a:ext uri="{909E8E84-426E-40dd-AFC4-6F175D3DCCD1}">
-              <a14:hiddenFill xmlns="" xmlns:a14="http://schemas.microsoft.com/office/drawing/2010/main">
+              <a14:hiddenFill xmlns:a14="http://schemas.microsoft.com/office/drawing/2010/main" xmlns="">
                 <a:solidFill>
                   <a:srgbClr val="FFFFFF"/>
                 </a:solidFill>
               </a14:hiddenFill>
             </a:ext>
             <a:ext uri="{91240B29-F687-4f45-9708-019B960494DF}">
-              <a14:hiddenLine xmlns="" xmlns:a14="http://schemas.microsoft.com/office/drawing/2010/main" w="9525">
+              <a14:hiddenLine xmlns:a14="http://schemas.microsoft.com/office/drawing/2010/main" xmlns="" w="9525">
                 <a:solidFill>
                   <a:srgbClr val="000000"/>
                 </a:solidFill>
